--- a/Pima India Diabetes Analysis.pptx
+++ b/Pima India Diabetes Analysis.pptx
@@ -249,7 +249,7 @@
           <a:p>
             <a:fld id="{E0E871D3-1026-45D6-BC7F-933325C34264}" type="datetimeFigureOut">
               <a:rPr lang="en-IN" smtClean="0"/>
-              <a:t>12-04-2018</a:t>
+              <a:t>13-04-2018</a:t>
             </a:fld>
             <a:endParaRPr lang="en-IN"/>
           </a:p>
@@ -419,7 +419,7 @@
           <a:p>
             <a:fld id="{E0E871D3-1026-45D6-BC7F-933325C34264}" type="datetimeFigureOut">
               <a:rPr lang="en-IN" smtClean="0"/>
-              <a:t>12-04-2018</a:t>
+              <a:t>13-04-2018</a:t>
             </a:fld>
             <a:endParaRPr lang="en-IN"/>
           </a:p>
@@ -599,7 +599,7 @@
           <a:p>
             <a:fld id="{E0E871D3-1026-45D6-BC7F-933325C34264}" type="datetimeFigureOut">
               <a:rPr lang="en-IN" smtClean="0"/>
-              <a:t>12-04-2018</a:t>
+              <a:t>13-04-2018</a:t>
             </a:fld>
             <a:endParaRPr lang="en-IN"/>
           </a:p>
@@ -769,7 +769,7 @@
           <a:p>
             <a:fld id="{E0E871D3-1026-45D6-BC7F-933325C34264}" type="datetimeFigureOut">
               <a:rPr lang="en-IN" smtClean="0"/>
-              <a:t>12-04-2018</a:t>
+              <a:t>13-04-2018</a:t>
             </a:fld>
             <a:endParaRPr lang="en-IN"/>
           </a:p>
@@ -1015,7 +1015,7 @@
           <a:p>
             <a:fld id="{E0E871D3-1026-45D6-BC7F-933325C34264}" type="datetimeFigureOut">
               <a:rPr lang="en-IN" smtClean="0"/>
-              <a:t>12-04-2018</a:t>
+              <a:t>13-04-2018</a:t>
             </a:fld>
             <a:endParaRPr lang="en-IN"/>
           </a:p>
@@ -1247,7 +1247,7 @@
           <a:p>
             <a:fld id="{E0E871D3-1026-45D6-BC7F-933325C34264}" type="datetimeFigureOut">
               <a:rPr lang="en-IN" smtClean="0"/>
-              <a:t>12-04-2018</a:t>
+              <a:t>13-04-2018</a:t>
             </a:fld>
             <a:endParaRPr lang="en-IN"/>
           </a:p>
@@ -1614,7 +1614,7 @@
           <a:p>
             <a:fld id="{E0E871D3-1026-45D6-BC7F-933325C34264}" type="datetimeFigureOut">
               <a:rPr lang="en-IN" smtClean="0"/>
-              <a:t>12-04-2018</a:t>
+              <a:t>13-04-2018</a:t>
             </a:fld>
             <a:endParaRPr lang="en-IN"/>
           </a:p>
@@ -1732,7 +1732,7 @@
           <a:p>
             <a:fld id="{E0E871D3-1026-45D6-BC7F-933325C34264}" type="datetimeFigureOut">
               <a:rPr lang="en-IN" smtClean="0"/>
-              <a:t>12-04-2018</a:t>
+              <a:t>13-04-2018</a:t>
             </a:fld>
             <a:endParaRPr lang="en-IN"/>
           </a:p>
@@ -1827,7 +1827,7 @@
           <a:p>
             <a:fld id="{E0E871D3-1026-45D6-BC7F-933325C34264}" type="datetimeFigureOut">
               <a:rPr lang="en-IN" smtClean="0"/>
-              <a:t>12-04-2018</a:t>
+              <a:t>13-04-2018</a:t>
             </a:fld>
             <a:endParaRPr lang="en-IN"/>
           </a:p>
@@ -2104,7 +2104,7 @@
           <a:p>
             <a:fld id="{E0E871D3-1026-45D6-BC7F-933325C34264}" type="datetimeFigureOut">
               <a:rPr lang="en-IN" smtClean="0"/>
-              <a:t>12-04-2018</a:t>
+              <a:t>13-04-2018</a:t>
             </a:fld>
             <a:endParaRPr lang="en-IN"/>
           </a:p>
@@ -2357,7 +2357,7 @@
           <a:p>
             <a:fld id="{E0E871D3-1026-45D6-BC7F-933325C34264}" type="datetimeFigureOut">
               <a:rPr lang="en-IN" smtClean="0"/>
-              <a:t>12-04-2018</a:t>
+              <a:t>13-04-2018</a:t>
             </a:fld>
             <a:endParaRPr lang="en-IN"/>
           </a:p>
@@ -2570,7 +2570,7 @@
           <a:p>
             <a:fld id="{E0E871D3-1026-45D6-BC7F-933325C34264}" type="datetimeFigureOut">
               <a:rPr lang="en-IN" smtClean="0"/>
-              <a:t>12-04-2018</a:t>
+              <a:t>13-04-2018</a:t>
             </a:fld>
             <a:endParaRPr lang="en-IN"/>
           </a:p>
@@ -2984,7 +2984,7 @@
         <p:spPr>
           <a:xfrm>
             <a:off x="1949823" y="510987"/>
-            <a:ext cx="7261411" cy="369332"/>
+            <a:ext cx="7261411" cy="584775"/>
           </a:xfrm>
           <a:prstGeom prst="rect">
             <a:avLst/>
@@ -2997,11 +2997,12 @@
           </a:bodyPr>
           <a:lstStyle/>
           <a:p>
-            <a:r>
-              <a:rPr lang="en-IN" dirty="0" smtClean="0"/>
-              <a:t>Read Dataset:  Explore, Head, Tail and Describe</a:t>
-            </a:r>
-            <a:endParaRPr lang="en-IN" dirty="0"/>
+            <a:pPr algn="ctr"/>
+            <a:r>
+              <a:rPr lang="en-IN" sz="3200" dirty="0" smtClean="0"/>
+              <a:t>PIMA India Diabetes Analysis</a:t>
+            </a:r>
+            <a:endParaRPr lang="en-IN" sz="3200" dirty="0"/>
           </a:p>
         </p:txBody>
       </p:sp>
@@ -3334,7 +3335,7 @@
           <a:lstStyle/>
           <a:p>
             <a:r>
-              <a:rPr lang="en-IN" dirty="0" smtClean="0"/>
+              <a:rPr lang="en-IN" b="1" dirty="0" smtClean="0"/>
               <a:t>  Describe the variable</a:t>
             </a:r>
           </a:p>
@@ -3596,7 +3597,7 @@
         <p:spPr>
           <a:xfrm>
             <a:off x="2017058" y="166358"/>
-            <a:ext cx="7261411" cy="800219"/>
+            <a:ext cx="7261411" cy="892552"/>
           </a:xfrm>
           <a:prstGeom prst="rect">
             <a:avLst/>
@@ -3621,14 +3622,10 @@
           </a:p>
           <a:p>
             <a:r>
-              <a:rPr lang="en-IN" dirty="0" smtClean="0"/>
-              <a:t>Univariate</a:t>
-            </a:r>
-            <a:r>
-              <a:rPr lang="en-IN" dirty="0" smtClean="0"/>
-              <a:t>, Histograms</a:t>
-            </a:r>
-            <a:endParaRPr lang="en-IN" dirty="0"/>
+              <a:rPr lang="en-IN" sz="2400" b="1" dirty="0" smtClean="0"/>
+              <a:t>Univariate, Histograms</a:t>
+            </a:r>
+            <a:endParaRPr lang="en-IN" sz="2400" b="1" dirty="0"/>
           </a:p>
         </p:txBody>
       </p:sp>
@@ -3728,7 +3725,7 @@
         <p:spPr>
           <a:xfrm>
             <a:off x="1949823" y="510987"/>
-            <a:ext cx="7261411" cy="400110"/>
+            <a:ext cx="7261411" cy="461665"/>
           </a:xfrm>
           <a:prstGeom prst="rect">
             <a:avLst/>
@@ -3743,18 +3740,18 @@
           <a:p>
             <a:pPr algn="ctr"/>
             <a:r>
-              <a:rPr lang="en-IN" sz="2000" dirty="0" smtClean="0"/>
+              <a:rPr lang="en-IN" sz="2400" b="1" dirty="0" smtClean="0"/>
               <a:t>Correlation </a:t>
             </a:r>
             <a:r>
-              <a:rPr lang="en-IN" sz="2000" dirty="0" err="1"/>
+              <a:rPr lang="en-IN" sz="2400" b="1" dirty="0" err="1"/>
               <a:t>M</a:t>
             </a:r>
             <a:r>
-              <a:rPr lang="en-IN" sz="2000" dirty="0" err="1" smtClean="0"/>
+              <a:rPr lang="en-IN" sz="2400" b="1" dirty="0" err="1" smtClean="0"/>
               <a:t>atix</a:t>
             </a:r>
-            <a:endParaRPr lang="en-IN" sz="2000" dirty="0"/>
+            <a:endParaRPr lang="en-IN" sz="2400" b="1" dirty="0"/>
           </a:p>
         </p:txBody>
       </p:sp>
@@ -3861,8 +3858,8 @@
         </p:blipFill>
         <p:spPr>
           <a:xfrm>
-            <a:off x="2455032" y="667029"/>
-            <a:ext cx="6904913" cy="3159819"/>
+            <a:off x="2455031" y="563561"/>
+            <a:ext cx="6904913" cy="3438099"/>
           </a:xfrm>
           <a:prstGeom prst="rect">
             <a:avLst/>
@@ -3902,7 +3899,7 @@
         <p:spPr>
           <a:xfrm>
             <a:off x="3870966" y="40341"/>
-            <a:ext cx="4073044" cy="461665"/>
+            <a:ext cx="4073044" cy="523220"/>
           </a:xfrm>
           <a:prstGeom prst="rect">
             <a:avLst/>
@@ -3916,8 +3913,12 @@
           <a:p>
             <a:pPr algn="ctr"/>
             <a:r>
+              <a:rPr lang="en-IN" sz="2800" b="1" dirty="0" smtClean="0"/>
+              <a:t>Scatterplot</a:t>
+            </a:r>
+            <a:r>
               <a:rPr lang="en-IN" sz="2400" dirty="0" smtClean="0"/>
-              <a:t>Scatterplot </a:t>
+              <a:t> </a:t>
             </a:r>
             <a:endParaRPr lang="en-IN" sz="2400" dirty="0"/>
           </a:p>
@@ -3969,7 +3970,7 @@
         <p:spPr>
           <a:xfrm>
             <a:off x="1949823" y="510987"/>
-            <a:ext cx="7261411" cy="369332"/>
+            <a:ext cx="7261411" cy="523220"/>
           </a:xfrm>
           <a:prstGeom prst="rect">
             <a:avLst/>
@@ -3983,10 +3984,18 @@
           <a:lstStyle/>
           <a:p>
             <a:r>
-              <a:rPr lang="en-IN" dirty="0" smtClean="0"/>
-              <a:t>Visualise : 3 Variables, Discover rules</a:t>
-            </a:r>
-            <a:endParaRPr lang="en-IN" dirty="0"/>
+              <a:rPr lang="en-IN" b="1" dirty="0" smtClean="0"/>
+              <a:t>			</a:t>
+            </a:r>
+            <a:r>
+              <a:rPr lang="en-IN" sz="2800" b="1" dirty="0" smtClean="0"/>
+              <a:t>Discover </a:t>
+            </a:r>
+            <a:r>
+              <a:rPr lang="en-IN" sz="2800" b="1" dirty="0" smtClean="0"/>
+              <a:t>rules</a:t>
+            </a:r>
+            <a:endParaRPr lang="en-IN" sz="2800" b="1" dirty="0"/>
           </a:p>
         </p:txBody>
       </p:sp>
@@ -3998,8 +4007,8 @@
         </p:nvSpPr>
         <p:spPr>
           <a:xfrm>
-            <a:off x="860612" y="880319"/>
-            <a:ext cx="10313894" cy="5509200"/>
+            <a:off x="860612" y="1034207"/>
+            <a:ext cx="10313894" cy="6063198"/>
           </a:xfrm>
           <a:prstGeom prst="rect">
             <a:avLst/>
@@ -4177,9 +4186,48 @@
               <a:buChar char="•"/>
             </a:pPr>
             <a:r>
+              <a:rPr lang="en-IN" b="1" dirty="0" smtClean="0"/>
+              <a:t>Reference link to the </a:t>
+            </a:r>
+            <a:r>
+              <a:rPr lang="en-IN" b="1" dirty="0" err="1" smtClean="0"/>
+              <a:t>github</a:t>
+            </a:r>
+            <a:endParaRPr lang="en-IN" b="1" dirty="0" smtClean="0"/>
+          </a:p>
+          <a:p>
+            <a:pPr marL="285750" indent="-285750">
+              <a:buFont typeface="Arial" panose="020B0604020202020204" pitchFamily="34" charset="0"/>
+              <a:buChar char="•"/>
+            </a:pPr>
+            <a:endParaRPr lang="en-IN" dirty="0">
+              <a:hlinkClick r:id="rId2"/>
+            </a:endParaRPr>
+          </a:p>
+          <a:p>
+            <a:r>
+              <a:rPr lang="en-IN" dirty="0" smtClean="0">
+                <a:hlinkClick r:id="rId2"/>
+              </a:rPr>
+              <a:t> https</a:t>
+            </a:r>
+            <a:r>
+              <a:rPr lang="en-IN" dirty="0">
+                <a:hlinkClick r:id="rId2"/>
+              </a:rPr>
+              <a:t>://</a:t>
+            </a:r>
+            <a:r>
+              <a:rPr lang="en-IN" dirty="0" smtClean="0">
+                <a:hlinkClick r:id="rId2"/>
+              </a:rPr>
+              <a:t>github.com/jacobmat/DataAnalysis-Projects</a:t>
+            </a:r>
+            <a:r>
               <a:rPr lang="en-IN" dirty="0" smtClean="0"/>
-              <a:t>Reference File</a:t>
-            </a:r>
+              <a:t> </a:t>
+            </a:r>
+            <a:endParaRPr lang="en-IN" dirty="0" smtClean="0"/>
           </a:p>
           <a:p>
             <a:pPr marL="285750" indent="-285750">
